--- a/Presentation/AlwaysCaring.pptx
+++ b/Presentation/AlwaysCaring.pptx
@@ -114,6 +114,11 @@
       </a:defRPr>
     </a:lvl9pPr>
   </p:defaultTextStyle>
+  <p:extLst>
+    <p:ext uri="{EFAFB233-063F-42B5-8137-9DF3F51BA10A}">
+      <p15:sldGuideLst xmlns:p15="http://schemas.microsoft.com/office/powerpoint/2012/main"/>
+    </p:ext>
+  </p:extLst>
 </p:presentation>
 </file>
 
@@ -6151,14 +6156,17 @@
           </a:bodyPr>
           <a:lstStyle/>
           <a:p>
-            <a:endParaRPr lang="en-US">
-              <a:solidFill>
-                <a:schemeClr val="tx1">
-                  <a:lumMod val="85000"/>
-                  <a:lumOff val="15000"/>
-                </a:schemeClr>
-              </a:solidFill>
-            </a:endParaRPr>
+            <a:r>
+              <a:rPr lang="en-US" dirty="0">
+                <a:solidFill>
+                  <a:schemeClr val="tx1">
+                    <a:lumMod val="85000"/>
+                    <a:lumOff val="15000"/>
+                  </a:schemeClr>
+                </a:solidFill>
+              </a:rPr>
+              <a:t>Best for Wyoming submission</a:t>
+            </a:r>
           </a:p>
         </p:txBody>
       </p:sp>
@@ -7261,7 +7269,60 @@
           </a:bodyPr>
           <a:lstStyle/>
           <a:p>
-            <a:endParaRPr lang="en-US"/>
+            <a:r>
+              <a:rPr lang="en-US" dirty="0"/>
+              <a:t>Licensing Prices:</a:t>
+            </a:r>
+          </a:p>
+          <a:p>
+            <a:pPr lvl="1"/>
+            <a:r>
+              <a:rPr lang="en-US" dirty="0"/>
+              <a:t>Family: $10 / month</a:t>
+            </a:r>
+          </a:p>
+          <a:p>
+            <a:pPr lvl="1"/>
+            <a:r>
+              <a:rPr lang="en-US" dirty="0"/>
+              <a:t>Individuals: $50 / month</a:t>
+            </a:r>
+          </a:p>
+          <a:p>
+            <a:pPr lvl="1"/>
+            <a:r>
+              <a:rPr lang="en-US" dirty="0"/>
+              <a:t>Small home care business’: $1-5k / </a:t>
+            </a:r>
+            <a:r>
+              <a:rPr lang="en-US" dirty="0" err="1"/>
+              <a:t>yr</a:t>
+            </a:r>
+            <a:endParaRPr lang="en-US" dirty="0"/>
+          </a:p>
+          <a:p>
+            <a:pPr lvl="1"/>
+            <a:r>
+              <a:rPr lang="en-US" dirty="0"/>
+              <a:t>Large homecare business’: $5k + / </a:t>
+            </a:r>
+            <a:r>
+              <a:rPr lang="en-US" dirty="0" err="1"/>
+              <a:t>yr</a:t>
+            </a:r>
+            <a:endParaRPr lang="en-US" dirty="0"/>
+          </a:p>
+          <a:p>
+            <a:pPr lvl="1"/>
+            <a:r>
+              <a:rPr lang="en-US" dirty="0"/>
+              <a:t>Hospitals: </a:t>
+            </a:r>
+            <a:r>
+              <a:rPr lang="en-US" dirty="0" err="1"/>
+              <a:t>consoletations</a:t>
+            </a:r>
+            <a:endParaRPr lang="en-US" dirty="0"/>
           </a:p>
         </p:txBody>
       </p:sp>
@@ -9467,7 +9528,49 @@
           </a:bodyPr>
           <a:lstStyle/>
           <a:p>
-            <a:endParaRPr lang="en-US"/>
+            <a:r>
+              <a:rPr lang="en-US" dirty="0"/>
+              <a:t>Currently the in home health care system is ineffective for several reasons</a:t>
+            </a:r>
+          </a:p>
+          <a:p>
+            <a:pPr lvl="1"/>
+            <a:r>
+              <a:rPr lang="en-US" dirty="0"/>
+              <a:t>Lack of transparency with families</a:t>
+            </a:r>
+          </a:p>
+          <a:p>
+            <a:pPr lvl="1"/>
+            <a:r>
+              <a:rPr lang="en-US" dirty="0"/>
+              <a:t>Lack of organization</a:t>
+            </a:r>
+          </a:p>
+          <a:p>
+            <a:pPr lvl="1"/>
+            <a:r>
+              <a:rPr lang="en-US" dirty="0"/>
+              <a:t>High health care provider turnover rate</a:t>
+            </a:r>
+          </a:p>
+          <a:p>
+            <a:pPr lvl="1"/>
+            <a:r>
+              <a:rPr lang="en-US" dirty="0"/>
+              <a:t>Lack of communication between providers and families</a:t>
+            </a:r>
+          </a:p>
+          <a:p>
+            <a:endParaRPr lang="en-US" dirty="0"/>
+          </a:p>
+          <a:p>
+            <a:pPr lvl="1"/>
+            <a:endParaRPr lang="en-US" dirty="0"/>
+          </a:p>
+          <a:p>
+            <a:pPr lvl="1"/>
+            <a:endParaRPr lang="en-US" dirty="0"/>
           </a:p>
         </p:txBody>
       </p:sp>
@@ -10570,7 +10673,17 @@
           </a:bodyPr>
           <a:lstStyle/>
           <a:p>
-            <a:endParaRPr lang="en-US"/>
+            <a:r>
+              <a:rPr lang="en-US" dirty="0"/>
+              <a:t>Example:</a:t>
+            </a:r>
+          </a:p>
+          <a:p>
+            <a:pPr lvl="1"/>
+            <a:r>
+              <a:rPr lang="en-US" dirty="0"/>
+              <a:t>Patient has a stroke. Patient has to be taken to the hospital but his information isn’t readily available. Using our app you can quickly give all of the patients information to the doctor in order to provide help in narrowing down the cause and getting the patient the help they need</a:t>
+            </a:r>
           </a:p>
         </p:txBody>
       </p:sp>
@@ -11673,7 +11786,45 @@
           </a:bodyPr>
           <a:lstStyle/>
           <a:p>
-            <a:endParaRPr lang="en-US"/>
+            <a:r>
+              <a:rPr lang="en-US" dirty="0"/>
+              <a:t>Our app paired with our blockchain database provides a seamless system for care providers to help in home patients while providing transparency to the family</a:t>
+            </a:r>
+          </a:p>
+          <a:p>
+            <a:r>
+              <a:rPr lang="en-US" dirty="0"/>
+              <a:t>Easy access to patient info stored on our blockchain</a:t>
+            </a:r>
+          </a:p>
+          <a:p>
+            <a:r>
+              <a:rPr lang="en-US" dirty="0"/>
+              <a:t>Easy transfer of care between providers with connected information</a:t>
+            </a:r>
+          </a:p>
+          <a:p>
+            <a:r>
+              <a:rPr lang="en-US" dirty="0"/>
+              <a:t>Family can actively monitor the patients status by viewing list of tasks assigned to care provider</a:t>
+            </a:r>
+          </a:p>
+          <a:p>
+            <a:r>
+              <a:rPr lang="en-US" dirty="0"/>
+              <a:t>Schedules for care providers created based on all </a:t>
+            </a:r>
+            <a:r>
+              <a:rPr lang="en-US" dirty="0" err="1"/>
+              <a:t>pateints</a:t>
+            </a:r>
+            <a:endParaRPr lang="en-US" dirty="0"/>
+          </a:p>
+          <a:p>
+            <a:r>
+              <a:rPr lang="en-US" dirty="0"/>
+              <a:t>Ability to take notes for</a:t>
+            </a:r>
           </a:p>
         </p:txBody>
       </p:sp>
@@ -12462,11 +12613,14 @@
           </a:bodyPr>
           <a:lstStyle/>
           <a:p>
-            <a:endParaRPr lang="en-US">
-              <a:solidFill>
-                <a:schemeClr val="bg1"/>
-              </a:solidFill>
-            </a:endParaRPr>
+            <a:r>
+              <a:rPr lang="en-US" dirty="0">
+                <a:solidFill>
+                  <a:schemeClr val="bg1"/>
+                </a:solidFill>
+              </a:rPr>
+              <a:t>Our customers would include health care provider companies and families looking for more transparency and confidence that there family members are being adequately taken care of</a:t>
+            </a:r>
           </a:p>
         </p:txBody>
       </p:sp>
@@ -13569,7 +13723,19 @@
           </a:bodyPr>
           <a:lstStyle/>
           <a:p>
-            <a:endParaRPr lang="en-US"/>
+            <a:r>
+              <a:rPr lang="en-US" dirty="0"/>
+              <a:t>The current market size is the entire home health care industry (number?)</a:t>
+            </a:r>
+          </a:p>
+          <a:p>
+            <a:r>
+              <a:rPr lang="en-US" dirty="0"/>
+              <a:t>There are 33 Medicare certified </a:t>
+            </a:r>
+          </a:p>
+          <a:p>
+            <a:endParaRPr lang="en-US" dirty="0"/>
           </a:p>
         </p:txBody>
       </p:sp>
@@ -14672,7 +14838,10 @@
           </a:bodyPr>
           <a:lstStyle/>
           <a:p>
-            <a:endParaRPr lang="en-US"/>
+            <a:r>
+              <a:rPr lang="en-US" dirty="0"/>
+              <a:t>death</a:t>
+            </a:r>
           </a:p>
         </p:txBody>
       </p:sp>
@@ -15775,7 +15944,7 @@
           </a:bodyPr>
           <a:lstStyle/>
           <a:p>
-            <a:endParaRPr lang="en-US"/>
+            <a:endParaRPr lang="en-US" dirty="0"/>
           </a:p>
         </p:txBody>
       </p:sp>
@@ -16878,7 +17047,28 @@
           </a:bodyPr>
           <a:lstStyle/>
           <a:p>
-            <a:endParaRPr lang="en-US"/>
+            <a:r>
+              <a:rPr lang="en-US" dirty="0"/>
+              <a:t>Determine level of need for product</a:t>
+            </a:r>
+          </a:p>
+          <a:p>
+            <a:r>
+              <a:rPr lang="en-US" dirty="0"/>
+              <a:t>Explain to them why the product would be useful to their specific case</a:t>
+            </a:r>
+          </a:p>
+          <a:p>
+            <a:r>
+              <a:rPr lang="en-US" dirty="0"/>
+              <a:t>Demonstrate how the product would be used by running through a test case</a:t>
+            </a:r>
+          </a:p>
+          <a:p>
+            <a:r>
+              <a:rPr lang="en-US" dirty="0"/>
+              <a:t>Inform them about pricing plans that would best suit them</a:t>
+            </a:r>
           </a:p>
         </p:txBody>
       </p:sp>

--- a/Presentation/AlwaysCaring.pptx
+++ b/Presentation/AlwaysCaring.pptx
@@ -9,13 +9,12 @@
     <p:sldId id="257" r:id="rId3"/>
     <p:sldId id="258" r:id="rId4"/>
     <p:sldId id="259" r:id="rId5"/>
-    <p:sldId id="260" r:id="rId6"/>
-    <p:sldId id="261" r:id="rId7"/>
-    <p:sldId id="262" r:id="rId8"/>
-    <p:sldId id="263" r:id="rId9"/>
+    <p:sldId id="267" r:id="rId6"/>
+    <p:sldId id="260" r:id="rId7"/>
+    <p:sldId id="261" r:id="rId8"/>
+    <p:sldId id="262" r:id="rId9"/>
     <p:sldId id="264" r:id="rId10"/>
     <p:sldId id="265" r:id="rId11"/>
-    <p:sldId id="266" r:id="rId12"/>
   </p:sldIdLst>
   <p:sldSz cx="12192000" cy="6858000"/>
   <p:notesSz cx="6858000" cy="9144000"/>
@@ -6052,7 +6051,7 @@
   <p:cSld>
     <p:bg>
       <p:bgPr>
-        <a:gradFill rotWithShape="1">
+        <a:gradFill flip="none" rotWithShape="1">
           <a:gsLst>
             <a:gs pos="0">
               <a:schemeClr val="bg2">
@@ -6072,8 +6071,9 @@
             </a:gs>
           </a:gsLst>
           <a:path path="circle">
-            <a:fillToRect l="45000" t="65000" r="125000" b="100000"/>
+            <a:fillToRect r="100000" b="100000"/>
           </a:path>
+          <a:tileRect l="-100000" t="-100000"/>
         </a:gradFill>
         <a:effectLst/>
       </p:bgPr>
@@ -7271,58 +7271,20 @@
           <a:p>
             <a:r>
               <a:rPr lang="en-US" dirty="0"/>
-              <a:t>Licensing Prices:</a:t>
+              <a:t>Licensing Model</a:t>
             </a:r>
           </a:p>
           <a:p>
-            <a:pPr lvl="1"/>
             <a:r>
               <a:rPr lang="en-US" dirty="0"/>
-              <a:t>Family: $10 / month</a:t>
+              <a:t>Scaling Cost</a:t>
             </a:r>
           </a:p>
           <a:p>
-            <a:pPr lvl="1"/>
             <a:r>
               <a:rPr lang="en-US" dirty="0"/>
-              <a:t>Individuals: $50 / month</a:t>
+              <a:t>Affordability</a:t>
             </a:r>
-          </a:p>
-          <a:p>
-            <a:pPr lvl="1"/>
-            <a:r>
-              <a:rPr lang="en-US" dirty="0"/>
-              <a:t>Small home care business’: $1-5k / </a:t>
-            </a:r>
-            <a:r>
-              <a:rPr lang="en-US" dirty="0" err="1"/>
-              <a:t>yr</a:t>
-            </a:r>
-            <a:endParaRPr lang="en-US" dirty="0"/>
-          </a:p>
-          <a:p>
-            <a:pPr lvl="1"/>
-            <a:r>
-              <a:rPr lang="en-US" dirty="0"/>
-              <a:t>Large homecare business’: $5k + / </a:t>
-            </a:r>
-            <a:r>
-              <a:rPr lang="en-US" dirty="0" err="1"/>
-              <a:t>yr</a:t>
-            </a:r>
-            <a:endParaRPr lang="en-US" dirty="0"/>
-          </a:p>
-          <a:p>
-            <a:pPr lvl="1"/>
-            <a:r>
-              <a:rPr lang="en-US" dirty="0"/>
-              <a:t>Hospitals: </a:t>
-            </a:r>
-            <a:r>
-              <a:rPr lang="en-US" dirty="0" err="1"/>
-              <a:t>consoletations</a:t>
-            </a:r>
-            <a:endParaRPr lang="en-US" dirty="0"/>
           </a:p>
         </p:txBody>
       </p:sp>
@@ -7339,7 +7301,7 @@
 </p:sld>
 </file>
 
-<file path=ppt/slides/slide11.xml><?xml version="1.0" encoding="utf-8"?>
+<file path=ppt/slides/slide2.xml><?xml version="1.0" encoding="utf-8"?>
 <p:sld xmlns:a="http://schemas.openxmlformats.org/drawingml/2006/main" xmlns:r="http://schemas.openxmlformats.org/officeDocument/2006/relationships" xmlns:p="http://schemas.openxmlformats.org/presentationml/2006/main">
   <p:cSld>
     <p:bg>
@@ -7366,7 +7328,7 @@
       </p:grpSpPr>
       <p:sp>
         <p:nvSpPr>
-          <p:cNvPr id="8" name="Rectangle 7">
+          <p:cNvPr id="19" name="Rectangle 18">
             <a:extLst>
               <a:ext uri="{FF2B5EF4-FFF2-40B4-BE49-F238E27FC236}">
                 <a16:creationId xmlns:a16="http://schemas.microsoft.com/office/drawing/2014/main" id="{74CD14DB-BB81-479F-A1FC-1C75640E9F84}"/>
@@ -7455,7 +7417,7 @@
       </p:sp>
       <p:sp>
         <p:nvSpPr>
-          <p:cNvPr id="10" name="Rectangle 9">
+          <p:cNvPr id="21" name="Rectangle 20">
             <a:extLst>
               <a:ext uri="{FF2B5EF4-FFF2-40B4-BE49-F238E27FC236}">
                 <a16:creationId xmlns:a16="http://schemas.microsoft.com/office/drawing/2014/main" id="{C943A91B-7CA7-4592-A975-73B1BF8C4C74}"/>
@@ -7508,7 +7470,7 @@
       </p:sp>
       <p:sp>
         <p:nvSpPr>
-          <p:cNvPr id="12" name="Freeform 7">
+          <p:cNvPr id="23" name="Freeform 7">
             <a:extLst>
               <a:ext uri="{FF2B5EF4-FFF2-40B4-BE49-F238E27FC236}">
                 <a16:creationId xmlns:a16="http://schemas.microsoft.com/office/drawing/2014/main" id="{EC471314-E46A-414B-8D91-74880E84F187}"/>
@@ -7897,7 +7859,7 @@
       </p:sp>
       <p:sp useBgFill="1">
         <p:nvSpPr>
-          <p:cNvPr id="14" name="Freeform: Shape 13">
+          <p:cNvPr id="25" name="Freeform: Shape 24">
             <a:extLst>
               <a:ext uri="{FF2B5EF4-FFF2-40B4-BE49-F238E27FC236}">
                 <a16:creationId xmlns:a16="http://schemas.microsoft.com/office/drawing/2014/main" id="{6A681326-1C9D-44A3-A627-3871BDAE4127}"/>
@@ -8363,7 +8325,7 @@
           <p:cNvPr id="2" name="Title 1">
             <a:extLst>
               <a:ext uri="{FF2B5EF4-FFF2-40B4-BE49-F238E27FC236}">
-                <a16:creationId xmlns:a16="http://schemas.microsoft.com/office/drawing/2014/main" id="{F0A8BD76-44EF-4E51-9FA0-899867225603}"/>
+                <a16:creationId xmlns:a16="http://schemas.microsoft.com/office/drawing/2014/main" id="{ACE5536C-02AB-40AB-87E9-09583319AFA9}"/>
               </a:ext>
             </a:extLst>
           </p:cNvPr>
@@ -8392,7 +8354,7 @@
                   <a:srgbClr val="FFFFFF"/>
                 </a:solidFill>
               </a:rPr>
-              <a:t>Cash Flow and Profit/Loss Statement</a:t>
+              <a:t>Problem</a:t>
             </a:r>
           </a:p>
         </p:txBody>
@@ -8402,7 +8364,7 @@
           <p:cNvPr id="3" name="Content Placeholder 2">
             <a:extLst>
               <a:ext uri="{FF2B5EF4-FFF2-40B4-BE49-F238E27FC236}">
-                <a16:creationId xmlns:a16="http://schemas.microsoft.com/office/drawing/2014/main" id="{626359BF-4177-475F-BB8F-28EC0BB156B4}"/>
+                <a16:creationId xmlns:a16="http://schemas.microsoft.com/office/drawing/2014/main" id="{6E744A8B-5FB6-4549-BC48-2C5CE4C76417}"/>
               </a:ext>
             </a:extLst>
           </p:cNvPr>
@@ -8425,14 +8387,56 @@
           </a:bodyPr>
           <a:lstStyle/>
           <a:p>
-            <a:endParaRPr lang="en-US"/>
+            <a:r>
+              <a:rPr lang="en-US" dirty="0"/>
+              <a:t>Currently the home care system is ineffective for several reasons</a:t>
+            </a:r>
+          </a:p>
+          <a:p>
+            <a:pPr lvl="1"/>
+            <a:r>
+              <a:rPr lang="en-US" dirty="0"/>
+              <a:t>Lack of transparency/freedom for families ~3-4k</a:t>
+            </a:r>
+          </a:p>
+          <a:p>
+            <a:pPr lvl="1"/>
+            <a:r>
+              <a:rPr lang="en-US" dirty="0"/>
+              <a:t>Lack of organization for  care givers</a:t>
+            </a:r>
+          </a:p>
+          <a:p>
+            <a:pPr lvl="1"/>
+            <a:r>
+              <a:rPr lang="en-US" dirty="0"/>
+              <a:t>High health care provider turnover rate</a:t>
+            </a:r>
+          </a:p>
+          <a:p>
+            <a:pPr lvl="1"/>
+            <a:r>
+              <a:rPr lang="en-US" dirty="0"/>
+              <a:t>Lack of communication between providers and families</a:t>
+            </a:r>
+          </a:p>
+          <a:p>
+            <a:endParaRPr lang="en-US" dirty="0"/>
+          </a:p>
+          <a:p>
+            <a:pPr lvl="1"/>
+            <a:endParaRPr lang="en-US" dirty="0"/>
+          </a:p>
+          <a:p>
+            <a:pPr lvl="1"/>
+            <a:endParaRPr lang="en-US" dirty="0"/>
           </a:p>
         </p:txBody>
       </p:sp>
     </p:spTree>
     <p:extLst>
       <p:ext uri="{BB962C8B-B14F-4D97-AF65-F5344CB8AC3E}">
-        <p14:creationId xmlns:p14="http://schemas.microsoft.com/office/powerpoint/2010/main" val="2351552482"/>
+        <p14:creationId xmlns:p14="http://schemas.microsoft.com/office/powerpoint/2010/main" val="2273901710"/>
       </p:ext>
     </p:extLst>
   </p:cSld>
@@ -8442,7 +8446,7 @@
 </p:sld>
 </file>
 
-<file path=ppt/slides/slide2.xml><?xml version="1.0" encoding="utf-8"?>
+<file path=ppt/slides/slide3.xml><?xml version="1.0" encoding="utf-8"?>
 <p:sld xmlns:a="http://schemas.openxmlformats.org/drawingml/2006/main" xmlns:r="http://schemas.openxmlformats.org/officeDocument/2006/relationships" xmlns:p="http://schemas.openxmlformats.org/presentationml/2006/main">
   <p:cSld>
     <p:bg>
@@ -8469,7 +8473,7 @@
       </p:grpSpPr>
       <p:sp>
         <p:nvSpPr>
-          <p:cNvPr id="19" name="Rectangle 18">
+          <p:cNvPr id="8" name="Rectangle 7">
             <a:extLst>
               <a:ext uri="{FF2B5EF4-FFF2-40B4-BE49-F238E27FC236}">
                 <a16:creationId xmlns:a16="http://schemas.microsoft.com/office/drawing/2014/main" id="{74CD14DB-BB81-479F-A1FC-1C75640E9F84}"/>
@@ -8558,7 +8562,7 @@
       </p:sp>
       <p:sp>
         <p:nvSpPr>
-          <p:cNvPr id="21" name="Rectangle 20">
+          <p:cNvPr id="10" name="Rectangle 9">
             <a:extLst>
               <a:ext uri="{FF2B5EF4-FFF2-40B4-BE49-F238E27FC236}">
                 <a16:creationId xmlns:a16="http://schemas.microsoft.com/office/drawing/2014/main" id="{C943A91B-7CA7-4592-A975-73B1BF8C4C74}"/>
@@ -8611,7 +8615,7 @@
       </p:sp>
       <p:sp>
         <p:nvSpPr>
-          <p:cNvPr id="23" name="Freeform 7">
+          <p:cNvPr id="12" name="Freeform 7">
             <a:extLst>
               <a:ext uri="{FF2B5EF4-FFF2-40B4-BE49-F238E27FC236}">
                 <a16:creationId xmlns:a16="http://schemas.microsoft.com/office/drawing/2014/main" id="{EC471314-E46A-414B-8D91-74880E84F187}"/>
@@ -9000,7 +9004,7 @@
       </p:sp>
       <p:sp useBgFill="1">
         <p:nvSpPr>
-          <p:cNvPr id="25" name="Freeform: Shape 24">
+          <p:cNvPr id="14" name="Freeform: Shape 13">
             <a:extLst>
               <a:ext uri="{FF2B5EF4-FFF2-40B4-BE49-F238E27FC236}">
                 <a16:creationId xmlns:a16="http://schemas.microsoft.com/office/drawing/2014/main" id="{6A681326-1C9D-44A3-A627-3871BDAE4127}"/>
@@ -9466,7 +9470,7 @@
           <p:cNvPr id="2" name="Title 1">
             <a:extLst>
               <a:ext uri="{FF2B5EF4-FFF2-40B4-BE49-F238E27FC236}">
-                <a16:creationId xmlns:a16="http://schemas.microsoft.com/office/drawing/2014/main" id="{ACE5536C-02AB-40AB-87E9-09583319AFA9}"/>
+                <a16:creationId xmlns:a16="http://schemas.microsoft.com/office/drawing/2014/main" id="{43C2531B-D274-41DB-A839-9B3AE3BBE15A}"/>
               </a:ext>
             </a:extLst>
           </p:cNvPr>
@@ -9505,7 +9509,7 @@
           <p:cNvPr id="3" name="Content Placeholder 2">
             <a:extLst>
               <a:ext uri="{FF2B5EF4-FFF2-40B4-BE49-F238E27FC236}">
-                <a16:creationId xmlns:a16="http://schemas.microsoft.com/office/drawing/2014/main" id="{6E744A8B-5FB6-4549-BC48-2C5CE4C76417}"/>
+                <a16:creationId xmlns:a16="http://schemas.microsoft.com/office/drawing/2014/main" id="{7618F6C5-FD81-4B34-A3DB-376B6C3C31FA}"/>
               </a:ext>
             </a:extLst>
           </p:cNvPr>
@@ -9530,54 +9534,29 @@
           <a:p>
             <a:r>
               <a:rPr lang="en-US" dirty="0"/>
-              <a:t>Currently the in home health care system is ineffective for several reasons</a:t>
+              <a:t>Example:</a:t>
             </a:r>
           </a:p>
           <a:p>
             <a:pPr lvl="1"/>
             <a:r>
               <a:rPr lang="en-US" dirty="0"/>
-              <a:t>Lack of transparency with families</a:t>
+              <a:t>A patient could have a medical emergency and need to be taken to a hospital, but his information isn’t readily available. This is because in times of stress families can not always remember vital information accurately. </a:t>
             </a:r>
           </a:p>
           <a:p>
             <a:pPr lvl="1"/>
             <a:r>
               <a:rPr lang="en-US" dirty="0"/>
-              <a:t>Lack of organization</a:t>
+              <a:t>Our solution would provide the ability to quickly provide vital patient information to the doctor in a timely manner potentially saving lives. </a:t>
             </a:r>
-          </a:p>
-          <a:p>
-            <a:pPr lvl="1"/>
-            <a:r>
-              <a:rPr lang="en-US" dirty="0"/>
-              <a:t>High health care provider turnover rate</a:t>
-            </a:r>
-          </a:p>
-          <a:p>
-            <a:pPr lvl="1"/>
-            <a:r>
-              <a:rPr lang="en-US" dirty="0"/>
-              <a:t>Lack of communication between providers and families</a:t>
-            </a:r>
-          </a:p>
-          <a:p>
-            <a:endParaRPr lang="en-US" dirty="0"/>
-          </a:p>
-          <a:p>
-            <a:pPr lvl="1"/>
-            <a:endParaRPr lang="en-US" dirty="0"/>
-          </a:p>
-          <a:p>
-            <a:pPr lvl="1"/>
-            <a:endParaRPr lang="en-US" dirty="0"/>
           </a:p>
         </p:txBody>
       </p:sp>
     </p:spTree>
     <p:extLst>
       <p:ext uri="{BB962C8B-B14F-4D97-AF65-F5344CB8AC3E}">
-        <p14:creationId xmlns:p14="http://schemas.microsoft.com/office/powerpoint/2010/main" val="2273901710"/>
+        <p14:creationId xmlns:p14="http://schemas.microsoft.com/office/powerpoint/2010/main" val="2246085883"/>
       </p:ext>
     </p:extLst>
   </p:cSld>
@@ -9587,7 +9566,7 @@
 </p:sld>
 </file>
 
-<file path=ppt/slides/slide3.xml><?xml version="1.0" encoding="utf-8"?>
+<file path=ppt/slides/slide4.xml><?xml version="1.0" encoding="utf-8"?>
 <p:sld xmlns:a="http://schemas.openxmlformats.org/drawingml/2006/main" xmlns:r="http://schemas.openxmlformats.org/officeDocument/2006/relationships" xmlns:p="http://schemas.openxmlformats.org/presentationml/2006/main">
   <p:cSld>
     <p:bg>
@@ -10611,7 +10590,7 @@
           <p:cNvPr id="2" name="Title 1">
             <a:extLst>
               <a:ext uri="{FF2B5EF4-FFF2-40B4-BE49-F238E27FC236}">
-                <a16:creationId xmlns:a16="http://schemas.microsoft.com/office/drawing/2014/main" id="{43C2531B-D274-41DB-A839-9B3AE3BBE15A}"/>
+                <a16:creationId xmlns:a16="http://schemas.microsoft.com/office/drawing/2014/main" id="{41569CD1-06AA-4DB8-A391-8A28AE581C0D}"/>
               </a:ext>
             </a:extLst>
           </p:cNvPr>
@@ -10640,7 +10619,7 @@
                   <a:srgbClr val="FFFFFF"/>
                 </a:solidFill>
               </a:rPr>
-              <a:t>Problem</a:t>
+              <a:t>Product</a:t>
             </a:r>
           </a:p>
         </p:txBody>
@@ -10650,7 +10629,7 @@
           <p:cNvPr id="3" name="Content Placeholder 2">
             <a:extLst>
               <a:ext uri="{FF2B5EF4-FFF2-40B4-BE49-F238E27FC236}">
-                <a16:creationId xmlns:a16="http://schemas.microsoft.com/office/drawing/2014/main" id="{7618F6C5-FD81-4B34-A3DB-376B6C3C31FA}"/>
+                <a16:creationId xmlns:a16="http://schemas.microsoft.com/office/drawing/2014/main" id="{6D7D36A9-3B84-4DDC-8441-95D7B81752EE}"/>
               </a:ext>
             </a:extLst>
           </p:cNvPr>
@@ -10669,28 +10648,57 @@
         </p:spPr>
         <p:txBody>
           <a:bodyPr>
-            <a:normAutofit/>
+            <a:normAutofit fontScale="92500" lnSpcReduction="10000"/>
           </a:bodyPr>
           <a:lstStyle/>
           <a:p>
             <a:r>
               <a:rPr lang="en-US" dirty="0"/>
-              <a:t>Example:</a:t>
+              <a:t>Our blockchain system provides a seamless and efficient solution for care providers to help in home patients while providing transparency to the family.</a:t>
             </a:r>
           </a:p>
           <a:p>
-            <a:pPr lvl="1"/>
+            <a:endParaRPr lang="en-US" dirty="0"/>
+          </a:p>
+          <a:p>
             <a:r>
               <a:rPr lang="en-US" dirty="0"/>
-              <a:t>Patient has a stroke. Patient has to be taken to the hospital but his information isn’t readily available. Using our app you can quickly give all of the patients information to the doctor in order to provide help in narrowing down the cause and getting the patient the help they need</a:t>
+              <a:t>Easy access to patient info stored on our blockchain</a:t>
             </a:r>
+          </a:p>
+          <a:p>
+            <a:r>
+              <a:rPr lang="en-US" dirty="0"/>
+              <a:t>Easy transfer of care between providers with connected information</a:t>
+            </a:r>
+          </a:p>
+          <a:p>
+            <a:r>
+              <a:rPr lang="en-US" dirty="0"/>
+              <a:t>Schedules for care providers created based on all patients</a:t>
+            </a:r>
+          </a:p>
+          <a:p>
+            <a:r>
+              <a:rPr lang="en-US" dirty="0"/>
+              <a:t>Family can actively monitor the patients status by viewing list of tasks assigned to care provider</a:t>
+            </a:r>
+          </a:p>
+          <a:p>
+            <a:r>
+              <a:rPr lang="en-US" dirty="0"/>
+              <a:t>Ability to record notes with automatic time stamps</a:t>
+            </a:r>
+          </a:p>
+          <a:p>
+            <a:endParaRPr lang="en-US" dirty="0"/>
           </a:p>
         </p:txBody>
       </p:sp>
     </p:spTree>
     <p:extLst>
       <p:ext uri="{BB962C8B-B14F-4D97-AF65-F5344CB8AC3E}">
-        <p14:creationId xmlns:p14="http://schemas.microsoft.com/office/powerpoint/2010/main" val="2246085883"/>
+        <p14:creationId xmlns:p14="http://schemas.microsoft.com/office/powerpoint/2010/main" val="3243095367"/>
       </p:ext>
     </p:extLst>
   </p:cSld>
@@ -10700,7 +10708,7 @@
 </p:sld>
 </file>
 
-<file path=ppt/slides/slide4.xml><?xml version="1.0" encoding="utf-8"?>
+<file path=ppt/slides/slide5.xml><?xml version="1.0" encoding="utf-8"?>
 <p:sld xmlns:a="http://schemas.openxmlformats.org/drawingml/2006/main" xmlns:r="http://schemas.openxmlformats.org/officeDocument/2006/relationships" xmlns:p="http://schemas.openxmlformats.org/presentationml/2006/main">
   <p:cSld>
     <p:bg>
@@ -11788,50 +11796,36 @@
           <a:p>
             <a:r>
               <a:rPr lang="en-US" dirty="0"/>
-              <a:t>Our app paired with our blockchain database provides a seamless system for care providers to help in home patients while providing transparency to the family</a:t>
+              <a:t>In Wyoming family comes first. This was morally important to us while developing this idea, we wanted families to know that their relatives were in safe and reliable hands always.</a:t>
             </a:r>
+          </a:p>
+          <a:p>
+            <a:pPr marL="0" indent="0">
+              <a:buNone/>
+            </a:pPr>
+            <a:endParaRPr lang="en-US" dirty="0"/>
           </a:p>
           <a:p>
             <a:r>
               <a:rPr lang="en-US" dirty="0"/>
-              <a:t>Easy access to patient info stored on our blockchain</a:t>
+              <a:t>Family can actively monitor the patient's status assigned tasks</a:t>
             </a:r>
           </a:p>
           <a:p>
             <a:r>
               <a:rPr lang="en-US" dirty="0"/>
-              <a:t>Easy transfer of care between providers with connected information</a:t>
+              <a:t>Caregivers are able to record notes in order to show when anything abnormal, good or bad, occurs.</a:t>
             </a:r>
           </a:p>
           <a:p>
-            <a:r>
-              <a:rPr lang="en-US" dirty="0"/>
-              <a:t>Family can actively monitor the patients status by viewing list of tasks assigned to care provider</a:t>
-            </a:r>
-          </a:p>
-          <a:p>
-            <a:r>
-              <a:rPr lang="en-US" dirty="0"/>
-              <a:t>Schedules for care providers created based on all </a:t>
-            </a:r>
-            <a:r>
-              <a:rPr lang="en-US" dirty="0" err="1"/>
-              <a:t>pateints</a:t>
-            </a:r>
             <a:endParaRPr lang="en-US" dirty="0"/>
-          </a:p>
-          <a:p>
-            <a:r>
-              <a:rPr lang="en-US" dirty="0"/>
-              <a:t>Ability to take notes for</a:t>
-            </a:r>
           </a:p>
         </p:txBody>
       </p:sp>
     </p:spTree>
     <p:extLst>
       <p:ext uri="{BB962C8B-B14F-4D97-AF65-F5344CB8AC3E}">
-        <p14:creationId xmlns:p14="http://schemas.microsoft.com/office/powerpoint/2010/main" val="3243095367"/>
+        <p14:creationId xmlns:p14="http://schemas.microsoft.com/office/powerpoint/2010/main" val="1992900366"/>
       </p:ext>
     </p:extLst>
   </p:cSld>
@@ -11841,7 +11835,7 @@
 </p:sld>
 </file>
 
-<file path=ppt/slides/slide5.xml><?xml version="1.0" encoding="utf-8"?>
+<file path=ppt/slides/slide6.xml><?xml version="1.0" encoding="utf-8"?>
 <p:sld xmlns:a="http://schemas.openxmlformats.org/drawingml/2006/main" xmlns:r="http://schemas.openxmlformats.org/officeDocument/2006/relationships" xmlns:p="http://schemas.openxmlformats.org/presentationml/2006/main">
   <p:cSld>
     <p:bg>
@@ -12619,8 +12613,81 @@
                   <a:schemeClr val="bg1"/>
                 </a:solidFill>
               </a:rPr>
-              <a:t>Our customers would include health care provider companies and families looking for more transparency and confidence that there family members are being adequately taken care of</a:t>
+              <a:t>Our customers:</a:t>
             </a:r>
+          </a:p>
+          <a:p>
+            <a:pPr lvl="1"/>
+            <a:r>
+              <a:rPr lang="en-US" dirty="0">
+                <a:solidFill>
+                  <a:schemeClr val="bg1"/>
+                </a:solidFill>
+              </a:rPr>
+              <a:t>Family</a:t>
+            </a:r>
+          </a:p>
+          <a:p>
+            <a:pPr lvl="1"/>
+            <a:r>
+              <a:rPr lang="en-US" dirty="0">
+                <a:solidFill>
+                  <a:schemeClr val="bg1"/>
+                </a:solidFill>
+              </a:rPr>
+              <a:t>In-Home Care Providers</a:t>
+            </a:r>
+          </a:p>
+          <a:p>
+            <a:pPr lvl="1"/>
+            <a:r>
+              <a:rPr lang="en-US" dirty="0">
+                <a:solidFill>
+                  <a:schemeClr val="bg1"/>
+                </a:solidFill>
+              </a:rPr>
+              <a:t>Therapy Clinics</a:t>
+            </a:r>
+          </a:p>
+          <a:p>
+            <a:pPr lvl="1"/>
+            <a:r>
+              <a:rPr lang="en-US" dirty="0">
+                <a:solidFill>
+                  <a:schemeClr val="bg1"/>
+                </a:solidFill>
+              </a:rPr>
+              <a:t>First Responders</a:t>
+            </a:r>
+          </a:p>
+          <a:p>
+            <a:pPr lvl="1"/>
+            <a:r>
+              <a:rPr lang="en-US" dirty="0">
+                <a:solidFill>
+                  <a:schemeClr val="bg1"/>
+                </a:solidFill>
+              </a:rPr>
+              <a:t>Hospitals</a:t>
+            </a:r>
+          </a:p>
+          <a:p>
+            <a:pPr lvl="1"/>
+            <a:r>
+              <a:rPr lang="en-US" dirty="0">
+                <a:solidFill>
+                  <a:schemeClr val="bg1"/>
+                </a:solidFill>
+              </a:rPr>
+              <a:t>Specialists</a:t>
+            </a:r>
+          </a:p>
+          <a:p>
+            <a:endParaRPr lang="en-US" dirty="0">
+              <a:solidFill>
+                <a:schemeClr val="bg1"/>
+              </a:solidFill>
+            </a:endParaRPr>
           </a:p>
         </p:txBody>
       </p:sp>
@@ -12637,7 +12704,7 @@
 </p:sld>
 </file>
 
-<file path=ppt/slides/slide6.xml><?xml version="1.0" encoding="utf-8"?>
+<file path=ppt/slides/slide7.xml><?xml version="1.0" encoding="utf-8"?>
 <p:sld xmlns:a="http://schemas.openxmlformats.org/drawingml/2006/main" xmlns:r="http://schemas.openxmlformats.org/officeDocument/2006/relationships" xmlns:p="http://schemas.openxmlformats.org/presentationml/2006/main">
   <p:cSld>
     <p:bg>
@@ -13725,17 +13792,92 @@
           <a:p>
             <a:r>
               <a:rPr lang="en-US" dirty="0"/>
-              <a:t>The current market size is the entire home health care industry (number?)</a:t>
+              <a:t>The US home healthcare market: 103 Billion</a:t>
             </a:r>
           </a:p>
           <a:p>
             <a:r>
               <a:rPr lang="en-US" dirty="0"/>
-              <a:t>There are 33 Medicare certified </a:t>
+              <a:t>Annual Growth Rate: 7% annually to $173 billion by 2026 </a:t>
             </a:r>
           </a:p>
           <a:p>
             <a:endParaRPr lang="en-US" dirty="0"/>
+          </a:p>
+          <a:p>
+            <a:r>
+              <a:rPr lang="en-US" dirty="0"/>
+              <a:t>~65% of Medicare beneficiaries reported to have more than one chronic condition </a:t>
+            </a:r>
+          </a:p>
+          <a:p>
+            <a:r>
+              <a:rPr lang="en-US" dirty="0"/>
+              <a:t>~43% reported to have three or more chronic conditions. </a:t>
+            </a:r>
+          </a:p>
+          <a:p>
+            <a:r>
+              <a:rPr lang="en-US" dirty="0"/>
+              <a:t>The growing home healthcare service workforce and industrial needs means a higher demand for effective and smart solutions</a:t>
+            </a:r>
+          </a:p>
+          <a:p>
+            <a:endParaRPr lang="en-US" dirty="0"/>
+          </a:p>
+        </p:txBody>
+      </p:sp>
+      <p:sp>
+        <p:nvSpPr>
+          <p:cNvPr id="4" name="Rectangle 3">
+            <a:extLst>
+              <a:ext uri="{FF2B5EF4-FFF2-40B4-BE49-F238E27FC236}">
+                <a16:creationId xmlns:a16="http://schemas.microsoft.com/office/drawing/2014/main" id="{A7E1DEB0-636C-44A0-8D5E-C20EA5F753CD}"/>
+              </a:ext>
+            </a:extLst>
+          </p:cNvPr>
+          <p:cNvSpPr/>
+          <p:nvPr/>
+        </p:nvSpPr>
+        <p:spPr>
+          <a:xfrm>
+            <a:off x="4145279" y="6321461"/>
+            <a:ext cx="8046720" cy="523220"/>
+          </a:xfrm>
+          <a:prstGeom prst="rect">
+            <a:avLst/>
+          </a:prstGeom>
+        </p:spPr>
+        <p:txBody>
+          <a:bodyPr wrap="square">
+            <a:spAutoFit/>
+          </a:bodyPr>
+          <a:lstStyle/>
+          <a:p>
+            <a:r>
+              <a:rPr lang="en-US" sz="1400" dirty="0"/>
+              <a:t>Sources: </a:t>
+            </a:r>
+            <a:r>
+              <a:rPr lang="en-US" sz="1400" dirty="0">
+                <a:hlinkClick r:id="rId2"/>
+              </a:rPr>
+              <a:t>https://www.businessinsider.com/the-us-home-healthcare-report-2019</a:t>
+            </a:r>
+            <a:endParaRPr lang="en-US" sz="1400" dirty="0"/>
+          </a:p>
+          <a:p>
+            <a:r>
+              <a:rPr lang="en-US" sz="1400" dirty="0"/>
+              <a:t>	      </a:t>
+            </a:r>
+            <a:r>
+              <a:rPr lang="en-US" sz="1400" dirty="0">
+                <a:hlinkClick r:id="rId3"/>
+              </a:rPr>
+              <a:t>https://www.grandviewresearch.com/industry-analysis/home-healthcare-industry</a:t>
+            </a:r>
+            <a:endParaRPr lang="en-US" sz="1400" dirty="0"/>
           </a:p>
         </p:txBody>
       </p:sp>
@@ -13752,7 +13894,7 @@
 </p:sld>
 </file>
 
-<file path=ppt/slides/slide7.xml><?xml version="1.0" encoding="utf-8"?>
+<file path=ppt/slides/slide8.xml><?xml version="1.0" encoding="utf-8"?>
 <p:sld xmlns:a="http://schemas.openxmlformats.org/drawingml/2006/main" xmlns:r="http://schemas.openxmlformats.org/officeDocument/2006/relationships" xmlns:p="http://schemas.openxmlformats.org/presentationml/2006/main">
   <p:cSld>
     <p:bg>
@@ -14840,8 +14982,38 @@
           <a:p>
             <a:r>
               <a:rPr lang="en-US" dirty="0"/>
-              <a:t>death</a:t>
+              <a:t>Caregiver Scheduling/Management Software: </a:t>
             </a:r>
+            <a:r>
+              <a:rPr lang="en-US" dirty="0" err="1"/>
+              <a:t>Skedulo</a:t>
+            </a:r>
+            <a:r>
+              <a:rPr lang="en-US" dirty="0"/>
+              <a:t>, ClearCare</a:t>
+            </a:r>
+          </a:p>
+          <a:p>
+            <a:r>
+              <a:rPr lang="en-US" dirty="0"/>
+              <a:t>Ambulatory(walk-in) Care Software: </a:t>
+            </a:r>
+            <a:r>
+              <a:rPr lang="en-US" dirty="0" err="1"/>
+              <a:t>Intergy</a:t>
+            </a:r>
+            <a:endParaRPr lang="en-US" dirty="0"/>
+          </a:p>
+          <a:p>
+            <a:r>
+              <a:rPr lang="en-US" dirty="0"/>
+              <a:t>Patient Tracking Software: </a:t>
+            </a:r>
+            <a:r>
+              <a:rPr lang="en-US" dirty="0" err="1"/>
+              <a:t>PatientTrack</a:t>
+            </a:r>
+            <a:endParaRPr lang="en-US" dirty="0"/>
           </a:p>
         </p:txBody>
       </p:sp>
@@ -14858,7 +15030,7 @@
 </p:sld>
 </file>
 
-<file path=ppt/slides/slide8.xml><?xml version="1.0" encoding="utf-8"?>
+<file path=ppt/slides/slide9.xml><?xml version="1.0" encoding="utf-8"?>
 <p:sld xmlns:a="http://schemas.openxmlformats.org/drawingml/2006/main" xmlns:r="http://schemas.openxmlformats.org/officeDocument/2006/relationships" xmlns:p="http://schemas.openxmlformats.org/presentationml/2006/main">
   <p:cSld>
     <p:bg>
@@ -15882,1109 +16054,6 @@
           <p:cNvPr id="2" name="Title 1">
             <a:extLst>
               <a:ext uri="{FF2B5EF4-FFF2-40B4-BE49-F238E27FC236}">
-                <a16:creationId xmlns:a16="http://schemas.microsoft.com/office/drawing/2014/main" id="{07659B87-42C3-41BA-BB42-A2FD120C8AB1}"/>
-              </a:ext>
-            </a:extLst>
-          </p:cNvPr>
-          <p:cNvSpPr>
-            <a:spLocks noGrp="1"/>
-          </p:cNvSpPr>
-          <p:nvPr>
-            <p:ph type="title"/>
-          </p:nvPr>
-        </p:nvSpPr>
-        <p:spPr>
-          <a:xfrm>
-            <a:off x="1103312" y="452718"/>
-            <a:ext cx="8947522" cy="1400530"/>
-          </a:xfrm>
-        </p:spPr>
-        <p:txBody>
-          <a:bodyPr anchor="ctr">
-            <a:normAutofit/>
-          </a:bodyPr>
-          <a:lstStyle/>
-          <a:p>
-            <a:r>
-              <a:rPr lang="en-US">
-                <a:solidFill>
-                  <a:srgbClr val="FFFFFF"/>
-                </a:solidFill>
-              </a:rPr>
-              <a:t>Marketing strategy</a:t>
-            </a:r>
-          </a:p>
-        </p:txBody>
-      </p:sp>
-      <p:sp>
-        <p:nvSpPr>
-          <p:cNvPr id="3" name="Content Placeholder 2">
-            <a:extLst>
-              <a:ext uri="{FF2B5EF4-FFF2-40B4-BE49-F238E27FC236}">
-                <a16:creationId xmlns:a16="http://schemas.microsoft.com/office/drawing/2014/main" id="{52F1CB44-37D7-49B5-847E-77A1DC4493F8}"/>
-              </a:ext>
-            </a:extLst>
-          </p:cNvPr>
-          <p:cNvSpPr>
-            <a:spLocks noGrp="1"/>
-          </p:cNvSpPr>
-          <p:nvPr>
-            <p:ph idx="1"/>
-          </p:nvPr>
-        </p:nvSpPr>
-        <p:spPr>
-          <a:xfrm>
-            <a:off x="1103312" y="2763520"/>
-            <a:ext cx="8946541" cy="3484879"/>
-          </a:xfrm>
-        </p:spPr>
-        <p:txBody>
-          <a:bodyPr>
-            <a:normAutofit/>
-          </a:bodyPr>
-          <a:lstStyle/>
-          <a:p>
-            <a:endParaRPr lang="en-US" dirty="0"/>
-          </a:p>
-        </p:txBody>
-      </p:sp>
-    </p:spTree>
-    <p:extLst>
-      <p:ext uri="{BB962C8B-B14F-4D97-AF65-F5344CB8AC3E}">
-        <p14:creationId xmlns:p14="http://schemas.microsoft.com/office/powerpoint/2010/main" val="3798682685"/>
-      </p:ext>
-    </p:extLst>
-  </p:cSld>
-  <p:clrMapOvr>
-    <a:overrideClrMapping bg1="lt1" tx1="dk1" bg2="lt2" tx2="dk2" accent1="accent1" accent2="accent2" accent3="accent3" accent4="accent4" accent5="accent5" accent6="accent6" hlink="hlink" folHlink="folHlink"/>
-  </p:clrMapOvr>
-</p:sld>
-</file>
-
-<file path=ppt/slides/slide9.xml><?xml version="1.0" encoding="utf-8"?>
-<p:sld xmlns:a="http://schemas.openxmlformats.org/drawingml/2006/main" xmlns:r="http://schemas.openxmlformats.org/officeDocument/2006/relationships" xmlns:p="http://schemas.openxmlformats.org/presentationml/2006/main">
-  <p:cSld>
-    <p:bg>
-      <p:bgPr>
-        <a:solidFill>
-          <a:schemeClr val="bg1"/>
-        </a:solidFill>
-        <a:effectLst/>
-      </p:bgPr>
-    </p:bg>
-    <p:spTree>
-      <p:nvGrpSpPr>
-        <p:cNvPr id="1" name=""/>
-        <p:cNvGrpSpPr/>
-        <p:nvPr/>
-      </p:nvGrpSpPr>
-      <p:grpSpPr>
-        <a:xfrm>
-          <a:off x="0" y="0"/>
-          <a:ext cx="0" cy="0"/>
-          <a:chOff x="0" y="0"/>
-          <a:chExt cx="0" cy="0"/>
-        </a:xfrm>
-      </p:grpSpPr>
-      <p:sp>
-        <p:nvSpPr>
-          <p:cNvPr id="8" name="Rectangle 7">
-            <a:extLst>
-              <a:ext uri="{FF2B5EF4-FFF2-40B4-BE49-F238E27FC236}">
-                <a16:creationId xmlns:a16="http://schemas.microsoft.com/office/drawing/2014/main" id="{74CD14DB-BB81-479F-A1FC-1C75640E9F84}"/>
-              </a:ext>
-              <a:ext uri="{C183D7F6-B498-43B3-948B-1728B52AA6E4}">
-                <adec:decorative xmlns:adec="http://schemas.microsoft.com/office/drawing/2017/decorative" val="1"/>
-              </a:ext>
-            </a:extLst>
-          </p:cNvPr>
-          <p:cNvSpPr>
-            <a:spLocks noGrp="1" noRot="1" noChangeAspect="1" noMove="1" noResize="1" noEditPoints="1" noAdjustHandles="1" noChangeArrowheads="1" noChangeShapeType="1" noTextEdit="1"/>
-          </p:cNvSpPr>
-          <p:nvPr>
-            <p:extLst>
-              <p:ext uri="{386F3935-93C4-4BCD-93E2-E3B085C9AB24}">
-                <p16:designElem xmlns:p16="http://schemas.microsoft.com/office/powerpoint/2015/main" val="1"/>
-              </p:ext>
-            </p:extLst>
-          </p:nvPr>
-        </p:nvSpPr>
-        <p:spPr>
-          <a:xfrm>
-            <a:off x="0" y="0"/>
-            <a:ext cx="12192000" cy="6858000"/>
-          </a:xfrm>
-          <a:prstGeom prst="rect">
-            <a:avLst/>
-          </a:prstGeom>
-          <a:ln>
-            <a:noFill/>
-          </a:ln>
-        </p:spPr>
-        <p:style>
-          <a:lnRef idx="2">
-            <a:schemeClr val="accent1">
-              <a:shade val="50000"/>
-            </a:schemeClr>
-          </a:lnRef>
-          <a:fillRef idx="1003">
-            <a:schemeClr val="dk2"/>
-          </a:fillRef>
-          <a:effectRef idx="0">
-            <a:schemeClr val="accent1"/>
-          </a:effectRef>
-          <a:fontRef idx="minor">
-            <a:schemeClr val="lt1"/>
-          </a:fontRef>
-        </p:style>
-        <p:txBody>
-          <a:bodyPr rtlCol="0" anchor="ctr"/>
-          <a:lstStyle/>
-          <a:p>
-            <a:pPr marL="0" marR="0" lvl="0" indent="0" algn="ctr" defTabSz="914400" rtl="0" eaLnBrk="1" fontAlgn="auto" latinLnBrk="0" hangingPunct="1">
-              <a:lnSpc>
-                <a:spcPct val="100000"/>
-              </a:lnSpc>
-              <a:spcBef>
-                <a:spcPts val="0"/>
-              </a:spcBef>
-              <a:spcAft>
-                <a:spcPts val="0"/>
-              </a:spcAft>
-              <a:buClrTx/>
-              <a:buSzTx/>
-              <a:buFontTx/>
-              <a:buNone/>
-              <a:tabLst/>
-              <a:defRPr/>
-            </a:pPr>
-            <a:endParaRPr kumimoji="0" lang="en-US" sz="1800" b="0" i="0" u="none" strike="noStrike" kern="1200" cap="none" spc="0" normalizeH="0" baseline="0" noProof="0">
-              <a:ln>
-                <a:noFill/>
-              </a:ln>
-              <a:solidFill>
-                <a:prstClr val="white"/>
-              </a:solidFill>
-              <a:effectLst/>
-              <a:uLnTx/>
-              <a:uFillTx/>
-              <a:latin typeface="Century Gothic" panose="020B0502020202020204"/>
-              <a:ea typeface="+mn-ea"/>
-              <a:cs typeface="+mn-cs"/>
-            </a:endParaRPr>
-          </a:p>
-        </p:txBody>
-      </p:sp>
-      <p:sp>
-        <p:nvSpPr>
-          <p:cNvPr id="10" name="Rectangle 9">
-            <a:extLst>
-              <a:ext uri="{FF2B5EF4-FFF2-40B4-BE49-F238E27FC236}">
-                <a16:creationId xmlns:a16="http://schemas.microsoft.com/office/drawing/2014/main" id="{C943A91B-7CA7-4592-A975-73B1BF8C4C74}"/>
-              </a:ext>
-              <a:ext uri="{C183D7F6-B498-43B3-948B-1728B52AA6E4}">
-                <adec:decorative xmlns:adec="http://schemas.microsoft.com/office/drawing/2017/decorative" val="1"/>
-              </a:ext>
-            </a:extLst>
-          </p:cNvPr>
-          <p:cNvSpPr>
-            <a:spLocks noGrp="1" noRot="1" noChangeAspect="1" noMove="1" noResize="1" noEditPoints="1" noAdjustHandles="1" noChangeArrowheads="1" noChangeShapeType="1" noTextEdit="1"/>
-          </p:cNvSpPr>
-          <p:nvPr>
-            <p:extLst>
-              <p:ext uri="{386F3935-93C4-4BCD-93E2-E3B085C9AB24}">
-                <p16:designElem xmlns:p16="http://schemas.microsoft.com/office/powerpoint/2015/main" val="1"/>
-              </p:ext>
-            </p:extLst>
-          </p:nvPr>
-        </p:nvSpPr>
-        <p:spPr>
-          <a:xfrm>
-            <a:off x="10437812" y="0"/>
-            <a:ext cx="685800" cy="1143000"/>
-          </a:xfrm>
-          <a:prstGeom prst="rect">
-            <a:avLst/>
-          </a:prstGeom>
-          <a:solidFill>
-            <a:schemeClr val="accent1"/>
-          </a:solidFill>
-          <a:ln>
-            <a:noFill/>
-          </a:ln>
-        </p:spPr>
-        <p:style>
-          <a:lnRef idx="1">
-            <a:schemeClr val="accent1"/>
-          </a:lnRef>
-          <a:fillRef idx="3">
-            <a:schemeClr val="accent1"/>
-          </a:fillRef>
-          <a:effectRef idx="2">
-            <a:schemeClr val="accent1"/>
-          </a:effectRef>
-          <a:fontRef idx="minor">
-            <a:schemeClr val="lt1"/>
-          </a:fontRef>
-        </p:style>
-      </p:sp>
-      <p:sp>
-        <p:nvSpPr>
-          <p:cNvPr id="12" name="Freeform 7">
-            <a:extLst>
-              <a:ext uri="{FF2B5EF4-FFF2-40B4-BE49-F238E27FC236}">
-                <a16:creationId xmlns:a16="http://schemas.microsoft.com/office/drawing/2014/main" id="{EC471314-E46A-414B-8D91-74880E84F187}"/>
-              </a:ext>
-              <a:ext uri="{C183D7F6-B498-43B3-948B-1728B52AA6E4}">
-                <adec:decorative xmlns:adec="http://schemas.microsoft.com/office/drawing/2017/decorative" val="1"/>
-              </a:ext>
-            </a:extLst>
-          </p:cNvPr>
-          <p:cNvSpPr>
-            <a:spLocks noGrp="1" noRot="1" noChangeAspect="1" noMove="1" noResize="1" noEditPoints="1" noAdjustHandles="1" noChangeArrowheads="1" noChangeShapeType="1" noTextEdit="1"/>
-          </p:cNvSpPr>
-          <p:nvPr>
-            <p:extLst>
-              <p:ext uri="{386F3935-93C4-4BCD-93E2-E3B085C9AB24}">
-                <p16:designElem xmlns:p16="http://schemas.microsoft.com/office/powerpoint/2015/main" val="1"/>
-              </p:ext>
-            </p:extLst>
-          </p:nvPr>
-        </p:nvSpPr>
-        <p:spPr>
-          <a:xfrm>
-            <a:off x="8719939" y="1460230"/>
-            <a:ext cx="3472060" cy="825932"/>
-          </a:xfrm>
-          <a:custGeom>
-            <a:avLst/>
-            <a:gdLst>
-              <a:gd name="connsiteX0" fmla="*/ 3470310 w 3472060"/>
-              <a:gd name="connsiteY0" fmla="*/ 0 h 825932"/>
-              <a:gd name="connsiteX1" fmla="*/ 3472060 w 3472060"/>
-              <a:gd name="connsiteY1" fmla="*/ 12850 h 825932"/>
-              <a:gd name="connsiteX2" fmla="*/ 3472060 w 3472060"/>
-              <a:gd name="connsiteY2" fmla="*/ 480529 h 825932"/>
-              <a:gd name="connsiteX3" fmla="*/ 3363699 w 3472060"/>
-              <a:gd name="connsiteY3" fmla="*/ 498471 h 825932"/>
-              <a:gd name="connsiteX4" fmla="*/ 42060 w 3472060"/>
-              <a:gd name="connsiteY4" fmla="*/ 824486 h 825932"/>
-              <a:gd name="connsiteX5" fmla="*/ 0 w 3472060"/>
-              <a:gd name="connsiteY5" fmla="*/ 758452 h 825932"/>
-              <a:gd name="connsiteX6" fmla="*/ 188014 w 3472060"/>
-              <a:gd name="connsiteY6" fmla="*/ 735602 h 825932"/>
-              <a:gd name="connsiteX7" fmla="*/ 284087 w 3472060"/>
-              <a:gd name="connsiteY7" fmla="*/ 722590 h 825932"/>
-              <a:gd name="connsiteX8" fmla="*/ 382288 w 3472060"/>
-              <a:gd name="connsiteY8" fmla="*/ 709392 h 825932"/>
-              <a:gd name="connsiteX9" fmla="*/ 481858 w 3472060"/>
-              <a:gd name="connsiteY9" fmla="*/ 695774 h 825932"/>
-              <a:gd name="connsiteX10" fmla="*/ 581897 w 3472060"/>
-              <a:gd name="connsiteY10" fmla="*/ 680711 h 825932"/>
-              <a:gd name="connsiteX11" fmla="*/ 683670 w 3472060"/>
-              <a:gd name="connsiteY11" fmla="*/ 665256 h 825932"/>
-              <a:gd name="connsiteX12" fmla="*/ 787206 w 3472060"/>
-              <a:gd name="connsiteY12" fmla="*/ 649587 h 825932"/>
-              <a:gd name="connsiteX13" fmla="*/ 892019 w 3472060"/>
-              <a:gd name="connsiteY13" fmla="*/ 632968 h 825932"/>
-              <a:gd name="connsiteX14" fmla="*/ 997620 w 3472060"/>
-              <a:gd name="connsiteY14" fmla="*/ 614667 h 825932"/>
-              <a:gd name="connsiteX15" fmla="*/ 1104727 w 3472060"/>
-              <a:gd name="connsiteY15" fmla="*/ 596741 h 825932"/>
-              <a:gd name="connsiteX16" fmla="*/ 1212669 w 3472060"/>
-              <a:gd name="connsiteY16" fmla="*/ 577397 h 825932"/>
-              <a:gd name="connsiteX17" fmla="*/ 1321506 w 3472060"/>
-              <a:gd name="connsiteY17" fmla="*/ 556988 h 825932"/>
-              <a:gd name="connsiteX18" fmla="*/ 1430709 w 3472060"/>
-              <a:gd name="connsiteY18" fmla="*/ 536607 h 825932"/>
-              <a:gd name="connsiteX19" fmla="*/ 1541050 w 3472060"/>
-              <a:gd name="connsiteY19" fmla="*/ 514481 h 825932"/>
-              <a:gd name="connsiteX20" fmla="*/ 1652805 w 3472060"/>
-              <a:gd name="connsiteY20" fmla="*/ 492202 h 825932"/>
-              <a:gd name="connsiteX21" fmla="*/ 1763708 w 3472060"/>
-              <a:gd name="connsiteY21" fmla="*/ 469161 h 825932"/>
-              <a:gd name="connsiteX22" fmla="*/ 1875795 w 3472060"/>
-              <a:gd name="connsiteY22" fmla="*/ 444641 h 825932"/>
-              <a:gd name="connsiteX23" fmla="*/ 1989128 w 3472060"/>
-              <a:gd name="connsiteY23" fmla="*/ 418995 h 825932"/>
-              <a:gd name="connsiteX24" fmla="*/ 2102476 w 3472060"/>
-              <a:gd name="connsiteY24" fmla="*/ 393438 h 825932"/>
-              <a:gd name="connsiteX25" fmla="*/ 2215549 w 3472060"/>
-              <a:gd name="connsiteY25" fmla="*/ 366291 h 825932"/>
-              <a:gd name="connsiteX26" fmla="*/ 2330490 w 3472060"/>
-              <a:gd name="connsiteY26" fmla="*/ 337455 h 825932"/>
-              <a:gd name="connsiteX27" fmla="*/ 2443333 w 3472060"/>
-              <a:gd name="connsiteY27" fmla="*/ 308983 h 825932"/>
-              <a:gd name="connsiteX28" fmla="*/ 2558014 w 3472060"/>
-              <a:gd name="connsiteY28" fmla="*/ 278646 h 825932"/>
-              <a:gd name="connsiteX29" fmla="*/ 2673621 w 3472060"/>
-              <a:gd name="connsiteY29" fmla="*/ 247421 h 825932"/>
-              <a:gd name="connsiteX30" fmla="*/ 2787008 w 3472060"/>
-              <a:gd name="connsiteY30" fmla="*/ 215853 h 825932"/>
-              <a:gd name="connsiteX31" fmla="*/ 2901442 w 3472060"/>
-              <a:gd name="connsiteY31" fmla="*/ 182011 h 825932"/>
-              <a:gd name="connsiteX32" fmla="*/ 3015722 w 3472060"/>
-              <a:gd name="connsiteY32" fmla="*/ 147286 h 825932"/>
-              <a:gd name="connsiteX33" fmla="*/ 3130018 w 3472060"/>
-              <a:gd name="connsiteY33" fmla="*/ 112649 h 825932"/>
-              <a:gd name="connsiteX34" fmla="*/ 3243551 w 3472060"/>
-              <a:gd name="connsiteY34" fmla="*/ 75688 h 825932"/>
-              <a:gd name="connsiteX35" fmla="*/ 3356992 w 3472060"/>
-              <a:gd name="connsiteY35" fmla="*/ 38197 h 825932"/>
-              <a:gd name="connsiteX36" fmla="*/ 3470310 w 3472060"/>
-              <a:gd name="connsiteY36" fmla="*/ 0 h 825932"/>
-            </a:gdLst>
-            <a:ahLst/>
-            <a:cxnLst>
-              <a:cxn ang="0">
-                <a:pos x="connsiteX0" y="connsiteY0"/>
-              </a:cxn>
-              <a:cxn ang="0">
-                <a:pos x="connsiteX1" y="connsiteY1"/>
-              </a:cxn>
-              <a:cxn ang="0">
-                <a:pos x="connsiteX2" y="connsiteY2"/>
-              </a:cxn>
-              <a:cxn ang="0">
-                <a:pos x="connsiteX3" y="connsiteY3"/>
-              </a:cxn>
-              <a:cxn ang="0">
-                <a:pos x="connsiteX4" y="connsiteY4"/>
-              </a:cxn>
-              <a:cxn ang="0">
-                <a:pos x="connsiteX5" y="connsiteY5"/>
-              </a:cxn>
-              <a:cxn ang="0">
-                <a:pos x="connsiteX6" y="connsiteY6"/>
-              </a:cxn>
-              <a:cxn ang="0">
-                <a:pos x="connsiteX7" y="connsiteY7"/>
-              </a:cxn>
-              <a:cxn ang="0">
-                <a:pos x="connsiteX8" y="connsiteY8"/>
-              </a:cxn>
-              <a:cxn ang="0">
-                <a:pos x="connsiteX9" y="connsiteY9"/>
-              </a:cxn>
-              <a:cxn ang="0">
-                <a:pos x="connsiteX10" y="connsiteY10"/>
-              </a:cxn>
-              <a:cxn ang="0">
-                <a:pos x="connsiteX11" y="connsiteY11"/>
-              </a:cxn>
-              <a:cxn ang="0">
-                <a:pos x="connsiteX12" y="connsiteY12"/>
-              </a:cxn>
-              <a:cxn ang="0">
-                <a:pos x="connsiteX13" y="connsiteY13"/>
-              </a:cxn>
-              <a:cxn ang="0">
-                <a:pos x="connsiteX14" y="connsiteY14"/>
-              </a:cxn>
-              <a:cxn ang="0">
-                <a:pos x="connsiteX15" y="connsiteY15"/>
-              </a:cxn>
-              <a:cxn ang="0">
-                <a:pos x="connsiteX16" y="connsiteY16"/>
-              </a:cxn>
-              <a:cxn ang="0">
-                <a:pos x="connsiteX17" y="connsiteY17"/>
-              </a:cxn>
-              <a:cxn ang="0">
-                <a:pos x="connsiteX18" y="connsiteY18"/>
-              </a:cxn>
-              <a:cxn ang="0">
-                <a:pos x="connsiteX19" y="connsiteY19"/>
-              </a:cxn>
-              <a:cxn ang="0">
-                <a:pos x="connsiteX20" y="connsiteY20"/>
-              </a:cxn>
-              <a:cxn ang="0">
-                <a:pos x="connsiteX21" y="connsiteY21"/>
-              </a:cxn>
-              <a:cxn ang="0">
-                <a:pos x="connsiteX22" y="connsiteY22"/>
-              </a:cxn>
-              <a:cxn ang="0">
-                <a:pos x="connsiteX23" y="connsiteY23"/>
-              </a:cxn>
-              <a:cxn ang="0">
-                <a:pos x="connsiteX24" y="connsiteY24"/>
-              </a:cxn>
-              <a:cxn ang="0">
-                <a:pos x="connsiteX25" y="connsiteY25"/>
-              </a:cxn>
-              <a:cxn ang="0">
-                <a:pos x="connsiteX26" y="connsiteY26"/>
-              </a:cxn>
-              <a:cxn ang="0">
-                <a:pos x="connsiteX27" y="connsiteY27"/>
-              </a:cxn>
-              <a:cxn ang="0">
-                <a:pos x="connsiteX28" y="connsiteY28"/>
-              </a:cxn>
-              <a:cxn ang="0">
-                <a:pos x="connsiteX29" y="connsiteY29"/>
-              </a:cxn>
-              <a:cxn ang="0">
-                <a:pos x="connsiteX30" y="connsiteY30"/>
-              </a:cxn>
-              <a:cxn ang="0">
-                <a:pos x="connsiteX31" y="connsiteY31"/>
-              </a:cxn>
-              <a:cxn ang="0">
-                <a:pos x="connsiteX32" y="connsiteY32"/>
-              </a:cxn>
-              <a:cxn ang="0">
-                <a:pos x="connsiteX33" y="connsiteY33"/>
-              </a:cxn>
-              <a:cxn ang="0">
-                <a:pos x="connsiteX34" y="connsiteY34"/>
-              </a:cxn>
-              <a:cxn ang="0">
-                <a:pos x="connsiteX35" y="connsiteY35"/>
-              </a:cxn>
-              <a:cxn ang="0">
-                <a:pos x="connsiteX36" y="connsiteY36"/>
-              </a:cxn>
-            </a:cxnLst>
-            <a:rect l="l" t="t" r="r" b="b"/>
-            <a:pathLst>
-              <a:path w="3472060" h="825932">
-                <a:moveTo>
-                  <a:pt x="3470310" y="0"/>
-                </a:moveTo>
-                <a:lnTo>
-                  <a:pt x="3472060" y="12850"/>
-                </a:lnTo>
-                <a:lnTo>
-                  <a:pt x="3472060" y="480529"/>
-                </a:lnTo>
-                <a:lnTo>
-                  <a:pt x="3363699" y="498471"/>
-                </a:lnTo>
-                <a:cubicBezTo>
-                  <a:pt x="2435623" y="645518"/>
-                  <a:pt x="603076" y="844866"/>
-                  <a:pt x="42060" y="824486"/>
-                </a:cubicBezTo>
-                <a:cubicBezTo>
-                  <a:pt x="28151" y="802425"/>
-                  <a:pt x="13909" y="780513"/>
-                  <a:pt x="0" y="758452"/>
-                </a:cubicBezTo>
-                <a:lnTo>
-                  <a:pt x="188014" y="735602"/>
-                </a:lnTo>
-                <a:lnTo>
-                  <a:pt x="284087" y="722590"/>
-                </a:lnTo>
-                <a:lnTo>
-                  <a:pt x="382288" y="709392"/>
-                </a:lnTo>
-                <a:lnTo>
-                  <a:pt x="481858" y="695774"/>
-                </a:lnTo>
-                <a:lnTo>
-                  <a:pt x="581897" y="680711"/>
-                </a:lnTo>
-                <a:lnTo>
-                  <a:pt x="683670" y="665256"/>
-                </a:lnTo>
-                <a:lnTo>
-                  <a:pt x="787206" y="649587"/>
-                </a:lnTo>
-                <a:lnTo>
-                  <a:pt x="892019" y="632968"/>
-                </a:lnTo>
-                <a:lnTo>
-                  <a:pt x="997620" y="614667"/>
-                </a:lnTo>
-                <a:lnTo>
-                  <a:pt x="1104727" y="596741"/>
-                </a:lnTo>
-                <a:lnTo>
-                  <a:pt x="1212669" y="577397"/>
-                </a:lnTo>
-                <a:lnTo>
-                  <a:pt x="1321506" y="556988"/>
-                </a:lnTo>
-                <a:lnTo>
-                  <a:pt x="1430709" y="536607"/>
-                </a:lnTo>
-                <a:lnTo>
-                  <a:pt x="1541050" y="514481"/>
-                </a:lnTo>
-                <a:lnTo>
-                  <a:pt x="1652805" y="492202"/>
-                </a:lnTo>
-                <a:lnTo>
-                  <a:pt x="1763708" y="469161"/>
-                </a:lnTo>
-                <a:lnTo>
-                  <a:pt x="1875795" y="444641"/>
-                </a:lnTo>
-                <a:lnTo>
-                  <a:pt x="1989128" y="418995"/>
-                </a:lnTo>
-                <a:lnTo>
-                  <a:pt x="2102476" y="393438"/>
-                </a:lnTo>
-                <a:lnTo>
-                  <a:pt x="2215549" y="366291"/>
-                </a:lnTo>
-                <a:lnTo>
-                  <a:pt x="2330490" y="337455"/>
-                </a:lnTo>
-                <a:lnTo>
-                  <a:pt x="2443333" y="308983"/>
-                </a:lnTo>
-                <a:lnTo>
-                  <a:pt x="2558014" y="278646"/>
-                </a:lnTo>
-                <a:lnTo>
-                  <a:pt x="2673621" y="247421"/>
-                </a:lnTo>
-                <a:lnTo>
-                  <a:pt x="2787008" y="215853"/>
-                </a:lnTo>
-                <a:lnTo>
-                  <a:pt x="2901442" y="182011"/>
-                </a:lnTo>
-                <a:lnTo>
-                  <a:pt x="3015722" y="147286"/>
-                </a:lnTo>
-                <a:lnTo>
-                  <a:pt x="3130018" y="112649"/>
-                </a:lnTo>
-                <a:lnTo>
-                  <a:pt x="3243551" y="75688"/>
-                </a:lnTo>
-                <a:lnTo>
-                  <a:pt x="3356992" y="38197"/>
-                </a:lnTo>
-                <a:lnTo>
-                  <a:pt x="3470310" y="0"/>
-                </a:lnTo>
-                <a:close/>
-              </a:path>
-            </a:pathLst>
-          </a:custGeom>
-          <a:solidFill>
-            <a:schemeClr val="bg1">
-              <a:alpha val="20000"/>
-            </a:schemeClr>
-          </a:solidFill>
-          <a:ln>
-            <a:noFill/>
-          </a:ln>
-        </p:spPr>
-        <p:txBody>
-          <a:bodyPr rtlCol="0" anchor="ctr"/>
-          <a:lstStyle/>
-          <a:p>
-            <a:pPr marL="0" marR="0" lvl="0" indent="0" algn="ctr" defTabSz="914400" rtl="0" eaLnBrk="1" fontAlgn="auto" latinLnBrk="0" hangingPunct="1">
-              <a:lnSpc>
-                <a:spcPct val="100000"/>
-              </a:lnSpc>
-              <a:spcBef>
-                <a:spcPts val="0"/>
-              </a:spcBef>
-              <a:spcAft>
-                <a:spcPts val="0"/>
-              </a:spcAft>
-              <a:buClrTx/>
-              <a:buSzTx/>
-              <a:buFontTx/>
-              <a:buNone/>
-              <a:tabLst/>
-              <a:defRPr/>
-            </a:pPr>
-            <a:endParaRPr kumimoji="0" lang="en-US" sz="1800" b="0" i="0" u="none" strike="noStrike" kern="1200" cap="none" spc="0" normalizeH="0" baseline="0" noProof="0">
-              <a:ln>
-                <a:noFill/>
-              </a:ln>
-              <a:solidFill>
-                <a:prstClr val="black"/>
-              </a:solidFill>
-              <a:effectLst/>
-              <a:uLnTx/>
-              <a:uFillTx/>
-              <a:latin typeface="Century Gothic" panose="020B0502020202020204"/>
-              <a:ea typeface="+mn-ea"/>
-              <a:cs typeface="+mn-cs"/>
-            </a:endParaRPr>
-          </a:p>
-        </p:txBody>
-      </p:sp>
-      <p:sp useBgFill="1">
-        <p:nvSpPr>
-          <p:cNvPr id="14" name="Freeform: Shape 13">
-            <a:extLst>
-              <a:ext uri="{FF2B5EF4-FFF2-40B4-BE49-F238E27FC236}">
-                <a16:creationId xmlns:a16="http://schemas.microsoft.com/office/drawing/2014/main" id="{6A681326-1C9D-44A3-A627-3871BDAE4127}"/>
-              </a:ext>
-              <a:ext uri="{C183D7F6-B498-43B3-948B-1728B52AA6E4}">
-                <adec:decorative xmlns:adec="http://schemas.microsoft.com/office/drawing/2017/decorative" val="1"/>
-              </a:ext>
-            </a:extLst>
-          </p:cNvPr>
-          <p:cNvSpPr>
-            <a:spLocks noGrp="1" noRot="1" noChangeAspect="1" noMove="1" noResize="1" noEditPoints="1" noAdjustHandles="1" noChangeArrowheads="1" noChangeShapeType="1" noTextEdit="1"/>
-          </p:cNvSpPr>
-          <p:nvPr>
-            <p:extLst>
-              <p:ext uri="{386F3935-93C4-4BCD-93E2-E3B085C9AB24}">
-                <p16:designElem xmlns:p16="http://schemas.microsoft.com/office/powerpoint/2015/main" val="1"/>
-              </p:ext>
-            </p:extLst>
-          </p:nvPr>
-        </p:nvSpPr>
-        <p:spPr bwMode="gray">
-          <a:xfrm>
-            <a:off x="1" y="1762067"/>
-            <a:ext cx="12192417" cy="5095933"/>
-          </a:xfrm>
-          <a:custGeom>
-            <a:avLst/>
-            <a:gdLst>
-              <a:gd name="connsiteX0" fmla="*/ 0 w 12192417"/>
-              <a:gd name="connsiteY0" fmla="*/ 0 h 5095933"/>
-              <a:gd name="connsiteX1" fmla="*/ 71931 w 12192417"/>
-              <a:gd name="connsiteY1" fmla="*/ 12261 h 5095933"/>
-              <a:gd name="connsiteX2" fmla="*/ 282848 w 12192417"/>
-              <a:gd name="connsiteY2" fmla="*/ 48343 h 5095933"/>
-              <a:gd name="connsiteX3" fmla="*/ 436463 w 12192417"/>
-              <a:gd name="connsiteY3" fmla="*/ 73565 h 5095933"/>
-              <a:gd name="connsiteX4" fmla="*/ 619338 w 12192417"/>
-              <a:gd name="connsiteY4" fmla="*/ 100188 h 5095933"/>
-              <a:gd name="connsiteX5" fmla="*/ 836350 w 12192417"/>
-              <a:gd name="connsiteY5" fmla="*/ 132066 h 5095933"/>
-              <a:gd name="connsiteX6" fmla="*/ 1076527 w 12192417"/>
-              <a:gd name="connsiteY6" fmla="*/ 165696 h 5095933"/>
-              <a:gd name="connsiteX7" fmla="*/ 1347183 w 12192417"/>
-              <a:gd name="connsiteY7" fmla="*/ 201077 h 5095933"/>
-              <a:gd name="connsiteX8" fmla="*/ 1642222 w 12192417"/>
-              <a:gd name="connsiteY8" fmla="*/ 238560 h 5095933"/>
-              <a:gd name="connsiteX9" fmla="*/ 1962863 w 12192417"/>
-              <a:gd name="connsiteY9" fmla="*/ 276043 h 5095933"/>
-              <a:gd name="connsiteX10" fmla="*/ 2304231 w 12192417"/>
-              <a:gd name="connsiteY10" fmla="*/ 314227 h 5095933"/>
-              <a:gd name="connsiteX11" fmla="*/ 2672420 w 12192417"/>
-              <a:gd name="connsiteY11" fmla="*/ 349608 h 5095933"/>
-              <a:gd name="connsiteX12" fmla="*/ 3057677 w 12192417"/>
-              <a:gd name="connsiteY12" fmla="*/ 383588 h 5095933"/>
-              <a:gd name="connsiteX13" fmla="*/ 3464880 w 12192417"/>
-              <a:gd name="connsiteY13" fmla="*/ 414415 h 5095933"/>
-              <a:gd name="connsiteX14" fmla="*/ 3889151 w 12192417"/>
-              <a:gd name="connsiteY14" fmla="*/ 443841 h 5095933"/>
-              <a:gd name="connsiteX15" fmla="*/ 4331709 w 12192417"/>
-              <a:gd name="connsiteY15" fmla="*/ 471515 h 5095933"/>
-              <a:gd name="connsiteX16" fmla="*/ 4558475 w 12192417"/>
-              <a:gd name="connsiteY16" fmla="*/ 481324 h 5095933"/>
-              <a:gd name="connsiteX17" fmla="*/ 4790117 w 12192417"/>
-              <a:gd name="connsiteY17" fmla="*/ 492183 h 5095933"/>
-              <a:gd name="connsiteX18" fmla="*/ 5025417 w 12192417"/>
-              <a:gd name="connsiteY18" fmla="*/ 502342 h 5095933"/>
-              <a:gd name="connsiteX19" fmla="*/ 5261936 w 12192417"/>
-              <a:gd name="connsiteY19" fmla="*/ 508998 h 5095933"/>
-              <a:gd name="connsiteX20" fmla="*/ 5503331 w 12192417"/>
-              <a:gd name="connsiteY20" fmla="*/ 514953 h 5095933"/>
-              <a:gd name="connsiteX21" fmla="*/ 5747166 w 12192417"/>
-              <a:gd name="connsiteY21" fmla="*/ 521259 h 5095933"/>
-              <a:gd name="connsiteX22" fmla="*/ 5995876 w 12192417"/>
-              <a:gd name="connsiteY22" fmla="*/ 525463 h 5095933"/>
-              <a:gd name="connsiteX23" fmla="*/ 6247025 w 12192417"/>
-              <a:gd name="connsiteY23" fmla="*/ 525463 h 5095933"/>
-              <a:gd name="connsiteX24" fmla="*/ 6500612 w 12192417"/>
-              <a:gd name="connsiteY24" fmla="*/ 527565 h 5095933"/>
-              <a:gd name="connsiteX25" fmla="*/ 6756638 w 12192417"/>
-              <a:gd name="connsiteY25" fmla="*/ 525463 h 5095933"/>
-              <a:gd name="connsiteX26" fmla="*/ 7016321 w 12192417"/>
-              <a:gd name="connsiteY26" fmla="*/ 521259 h 5095933"/>
-              <a:gd name="connsiteX27" fmla="*/ 7276004 w 12192417"/>
-              <a:gd name="connsiteY27" fmla="*/ 517406 h 5095933"/>
-              <a:gd name="connsiteX28" fmla="*/ 7539344 w 12192417"/>
-              <a:gd name="connsiteY28" fmla="*/ 508998 h 5095933"/>
-              <a:gd name="connsiteX29" fmla="*/ 7805123 w 12192417"/>
-              <a:gd name="connsiteY29" fmla="*/ 500241 h 5095933"/>
-              <a:gd name="connsiteX30" fmla="*/ 8070902 w 12192417"/>
-              <a:gd name="connsiteY30" fmla="*/ 490082 h 5095933"/>
-              <a:gd name="connsiteX31" fmla="*/ 8339120 w 12192417"/>
-              <a:gd name="connsiteY31" fmla="*/ 475719 h 5095933"/>
-              <a:gd name="connsiteX32" fmla="*/ 8609775 w 12192417"/>
-              <a:gd name="connsiteY32" fmla="*/ 458554 h 5095933"/>
-              <a:gd name="connsiteX33" fmla="*/ 8881650 w 12192417"/>
-              <a:gd name="connsiteY33" fmla="*/ 442089 h 5095933"/>
-              <a:gd name="connsiteX34" fmla="*/ 9153525 w 12192417"/>
-              <a:gd name="connsiteY34" fmla="*/ 421071 h 5095933"/>
-              <a:gd name="connsiteX35" fmla="*/ 9429057 w 12192417"/>
-              <a:gd name="connsiteY35" fmla="*/ 395849 h 5095933"/>
-              <a:gd name="connsiteX36" fmla="*/ 9700932 w 12192417"/>
-              <a:gd name="connsiteY36" fmla="*/ 370626 h 5095933"/>
-              <a:gd name="connsiteX37" fmla="*/ 9977683 w 12192417"/>
-              <a:gd name="connsiteY37" fmla="*/ 341551 h 5095933"/>
-              <a:gd name="connsiteX38" fmla="*/ 10255654 w 12192417"/>
-              <a:gd name="connsiteY38" fmla="*/ 309673 h 5095933"/>
-              <a:gd name="connsiteX39" fmla="*/ 10529967 w 12192417"/>
-              <a:gd name="connsiteY39" fmla="*/ 276043 h 5095933"/>
-              <a:gd name="connsiteX40" fmla="*/ 10807938 w 12192417"/>
-              <a:gd name="connsiteY40" fmla="*/ 236809 h 5095933"/>
-              <a:gd name="connsiteX41" fmla="*/ 11084689 w 12192417"/>
-              <a:gd name="connsiteY41" fmla="*/ 194772 h 5095933"/>
-              <a:gd name="connsiteX42" fmla="*/ 11362660 w 12192417"/>
-              <a:gd name="connsiteY42" fmla="*/ 153085 h 5095933"/>
-              <a:gd name="connsiteX43" fmla="*/ 11639411 w 12192417"/>
-              <a:gd name="connsiteY43" fmla="*/ 104392 h 5095933"/>
-              <a:gd name="connsiteX44" fmla="*/ 11914944 w 12192417"/>
-              <a:gd name="connsiteY44" fmla="*/ 54648 h 5095933"/>
-              <a:gd name="connsiteX45" fmla="*/ 12191695 w 12192417"/>
-              <a:gd name="connsiteY45" fmla="*/ 2452 h 5095933"/>
-              <a:gd name="connsiteX46" fmla="*/ 12191695 w 12192417"/>
-              <a:gd name="connsiteY46" fmla="*/ 2162231 h 5095933"/>
-              <a:gd name="connsiteX47" fmla="*/ 12192417 w 12192417"/>
-              <a:gd name="connsiteY47" fmla="*/ 2162231 h 5095933"/>
-              <a:gd name="connsiteX48" fmla="*/ 12192417 w 12192417"/>
-              <a:gd name="connsiteY48" fmla="*/ 5095933 h 5095933"/>
-              <a:gd name="connsiteX49" fmla="*/ 0 w 12192417"/>
-              <a:gd name="connsiteY49" fmla="*/ 5095933 h 5095933"/>
-              <a:gd name="connsiteX50" fmla="*/ 0 w 12192417"/>
-              <a:gd name="connsiteY50" fmla="*/ 2791958 h 5095933"/>
-              <a:gd name="connsiteX51" fmla="*/ 0 w 12192417"/>
-              <a:gd name="connsiteY51" fmla="*/ 2162231 h 5095933"/>
-            </a:gdLst>
-            <a:ahLst/>
-            <a:cxnLst>
-              <a:cxn ang="0">
-                <a:pos x="connsiteX0" y="connsiteY0"/>
-              </a:cxn>
-              <a:cxn ang="0">
-                <a:pos x="connsiteX1" y="connsiteY1"/>
-              </a:cxn>
-              <a:cxn ang="0">
-                <a:pos x="connsiteX2" y="connsiteY2"/>
-              </a:cxn>
-              <a:cxn ang="0">
-                <a:pos x="connsiteX3" y="connsiteY3"/>
-              </a:cxn>
-              <a:cxn ang="0">
-                <a:pos x="connsiteX4" y="connsiteY4"/>
-              </a:cxn>
-              <a:cxn ang="0">
-                <a:pos x="connsiteX5" y="connsiteY5"/>
-              </a:cxn>
-              <a:cxn ang="0">
-                <a:pos x="connsiteX6" y="connsiteY6"/>
-              </a:cxn>
-              <a:cxn ang="0">
-                <a:pos x="connsiteX7" y="connsiteY7"/>
-              </a:cxn>
-              <a:cxn ang="0">
-                <a:pos x="connsiteX8" y="connsiteY8"/>
-              </a:cxn>
-              <a:cxn ang="0">
-                <a:pos x="connsiteX9" y="connsiteY9"/>
-              </a:cxn>
-              <a:cxn ang="0">
-                <a:pos x="connsiteX10" y="connsiteY10"/>
-              </a:cxn>
-              <a:cxn ang="0">
-                <a:pos x="connsiteX11" y="connsiteY11"/>
-              </a:cxn>
-              <a:cxn ang="0">
-                <a:pos x="connsiteX12" y="connsiteY12"/>
-              </a:cxn>
-              <a:cxn ang="0">
-                <a:pos x="connsiteX13" y="connsiteY13"/>
-              </a:cxn>
-              <a:cxn ang="0">
-                <a:pos x="connsiteX14" y="connsiteY14"/>
-              </a:cxn>
-              <a:cxn ang="0">
-                <a:pos x="connsiteX15" y="connsiteY15"/>
-              </a:cxn>
-              <a:cxn ang="0">
-                <a:pos x="connsiteX16" y="connsiteY16"/>
-              </a:cxn>
-              <a:cxn ang="0">
-                <a:pos x="connsiteX17" y="connsiteY17"/>
-              </a:cxn>
-              <a:cxn ang="0">
-                <a:pos x="connsiteX18" y="connsiteY18"/>
-              </a:cxn>
-              <a:cxn ang="0">
-                <a:pos x="connsiteX19" y="connsiteY19"/>
-              </a:cxn>
-              <a:cxn ang="0">
-                <a:pos x="connsiteX20" y="connsiteY20"/>
-              </a:cxn>
-              <a:cxn ang="0">
-                <a:pos x="connsiteX21" y="connsiteY21"/>
-              </a:cxn>
-              <a:cxn ang="0">
-                <a:pos x="connsiteX22" y="connsiteY22"/>
-              </a:cxn>
-              <a:cxn ang="0">
-                <a:pos x="connsiteX23" y="connsiteY23"/>
-              </a:cxn>
-              <a:cxn ang="0">
-                <a:pos x="connsiteX24" y="connsiteY24"/>
-              </a:cxn>
-              <a:cxn ang="0">
-                <a:pos x="connsiteX25" y="connsiteY25"/>
-              </a:cxn>
-              <a:cxn ang="0">
-                <a:pos x="connsiteX26" y="connsiteY26"/>
-              </a:cxn>
-              <a:cxn ang="0">
-                <a:pos x="connsiteX27" y="connsiteY27"/>
-              </a:cxn>
-              <a:cxn ang="0">
-                <a:pos x="connsiteX28" y="connsiteY28"/>
-              </a:cxn>
-              <a:cxn ang="0">
-                <a:pos x="connsiteX29" y="connsiteY29"/>
-              </a:cxn>
-              <a:cxn ang="0">
-                <a:pos x="connsiteX30" y="connsiteY30"/>
-              </a:cxn>
-              <a:cxn ang="0">
-                <a:pos x="connsiteX31" y="connsiteY31"/>
-              </a:cxn>
-              <a:cxn ang="0">
-                <a:pos x="connsiteX32" y="connsiteY32"/>
-              </a:cxn>
-              <a:cxn ang="0">
-                <a:pos x="connsiteX33" y="connsiteY33"/>
-              </a:cxn>
-              <a:cxn ang="0">
-                <a:pos x="connsiteX34" y="connsiteY34"/>
-              </a:cxn>
-              <a:cxn ang="0">
-                <a:pos x="connsiteX35" y="connsiteY35"/>
-              </a:cxn>
-              <a:cxn ang="0">
-                <a:pos x="connsiteX36" y="connsiteY36"/>
-              </a:cxn>
-              <a:cxn ang="0">
-                <a:pos x="connsiteX37" y="connsiteY37"/>
-              </a:cxn>
-              <a:cxn ang="0">
-                <a:pos x="connsiteX38" y="connsiteY38"/>
-              </a:cxn>
-              <a:cxn ang="0">
-                <a:pos x="connsiteX39" y="connsiteY39"/>
-              </a:cxn>
-              <a:cxn ang="0">
-                <a:pos x="connsiteX40" y="connsiteY40"/>
-              </a:cxn>
-              <a:cxn ang="0">
-                <a:pos x="connsiteX41" y="connsiteY41"/>
-              </a:cxn>
-              <a:cxn ang="0">
-                <a:pos x="connsiteX42" y="connsiteY42"/>
-              </a:cxn>
-              <a:cxn ang="0">
-                <a:pos x="connsiteX43" y="connsiteY43"/>
-              </a:cxn>
-              <a:cxn ang="0">
-                <a:pos x="connsiteX44" y="connsiteY44"/>
-              </a:cxn>
-              <a:cxn ang="0">
-                <a:pos x="connsiteX45" y="connsiteY45"/>
-              </a:cxn>
-              <a:cxn ang="0">
-                <a:pos x="connsiteX46" y="connsiteY46"/>
-              </a:cxn>
-              <a:cxn ang="0">
-                <a:pos x="connsiteX47" y="connsiteY47"/>
-              </a:cxn>
-              <a:cxn ang="0">
-                <a:pos x="connsiteX48" y="connsiteY48"/>
-              </a:cxn>
-              <a:cxn ang="0">
-                <a:pos x="connsiteX49" y="connsiteY49"/>
-              </a:cxn>
-              <a:cxn ang="0">
-                <a:pos x="connsiteX50" y="connsiteY50"/>
-              </a:cxn>
-              <a:cxn ang="0">
-                <a:pos x="connsiteX51" y="connsiteY51"/>
-              </a:cxn>
-            </a:cxnLst>
-            <a:rect l="l" t="t" r="r" b="b"/>
-            <a:pathLst>
-              <a:path w="12192417" h="5095933">
-                <a:moveTo>
-                  <a:pt x="0" y="0"/>
-                </a:moveTo>
-                <a:lnTo>
-                  <a:pt x="71931" y="12261"/>
-                </a:lnTo>
-                <a:lnTo>
-                  <a:pt x="282848" y="48343"/>
-                </a:lnTo>
-                <a:lnTo>
-                  <a:pt x="436463" y="73565"/>
-                </a:lnTo>
-                <a:lnTo>
-                  <a:pt x="619338" y="100188"/>
-                </a:lnTo>
-                <a:lnTo>
-                  <a:pt x="836350" y="132066"/>
-                </a:lnTo>
-                <a:lnTo>
-                  <a:pt x="1076527" y="165696"/>
-                </a:lnTo>
-                <a:lnTo>
-                  <a:pt x="1347183" y="201077"/>
-                </a:lnTo>
-                <a:lnTo>
-                  <a:pt x="1642222" y="238560"/>
-                </a:lnTo>
-                <a:lnTo>
-                  <a:pt x="1962863" y="276043"/>
-                </a:lnTo>
-                <a:lnTo>
-                  <a:pt x="2304231" y="314227"/>
-                </a:lnTo>
-                <a:lnTo>
-                  <a:pt x="2672420" y="349608"/>
-                </a:lnTo>
-                <a:lnTo>
-                  <a:pt x="3057677" y="383588"/>
-                </a:lnTo>
-                <a:lnTo>
-                  <a:pt x="3464880" y="414415"/>
-                </a:lnTo>
-                <a:lnTo>
-                  <a:pt x="3889151" y="443841"/>
-                </a:lnTo>
-                <a:lnTo>
-                  <a:pt x="4331709" y="471515"/>
-                </a:lnTo>
-                <a:lnTo>
-                  <a:pt x="4558475" y="481324"/>
-                </a:lnTo>
-                <a:lnTo>
-                  <a:pt x="4790117" y="492183"/>
-                </a:lnTo>
-                <a:lnTo>
-                  <a:pt x="5025417" y="502342"/>
-                </a:lnTo>
-                <a:lnTo>
-                  <a:pt x="5261936" y="508998"/>
-                </a:lnTo>
-                <a:lnTo>
-                  <a:pt x="5503331" y="514953"/>
-                </a:lnTo>
-                <a:lnTo>
-                  <a:pt x="5747166" y="521259"/>
-                </a:lnTo>
-                <a:lnTo>
-                  <a:pt x="5995876" y="525463"/>
-                </a:lnTo>
-                <a:lnTo>
-                  <a:pt x="6247025" y="525463"/>
-                </a:lnTo>
-                <a:lnTo>
-                  <a:pt x="6500612" y="527565"/>
-                </a:lnTo>
-                <a:lnTo>
-                  <a:pt x="6756638" y="525463"/>
-                </a:lnTo>
-                <a:lnTo>
-                  <a:pt x="7016321" y="521259"/>
-                </a:lnTo>
-                <a:lnTo>
-                  <a:pt x="7276004" y="517406"/>
-                </a:lnTo>
-                <a:lnTo>
-                  <a:pt x="7539344" y="508998"/>
-                </a:lnTo>
-                <a:lnTo>
-                  <a:pt x="7805123" y="500241"/>
-                </a:lnTo>
-                <a:lnTo>
-                  <a:pt x="8070902" y="490082"/>
-                </a:lnTo>
-                <a:lnTo>
-                  <a:pt x="8339120" y="475719"/>
-                </a:lnTo>
-                <a:lnTo>
-                  <a:pt x="8609775" y="458554"/>
-                </a:lnTo>
-                <a:lnTo>
-                  <a:pt x="8881650" y="442089"/>
-                </a:lnTo>
-                <a:lnTo>
-                  <a:pt x="9153525" y="421071"/>
-                </a:lnTo>
-                <a:lnTo>
-                  <a:pt x="9429057" y="395849"/>
-                </a:lnTo>
-                <a:lnTo>
-                  <a:pt x="9700932" y="370626"/>
-                </a:lnTo>
-                <a:lnTo>
-                  <a:pt x="9977683" y="341551"/>
-                </a:lnTo>
-                <a:lnTo>
-                  <a:pt x="10255654" y="309673"/>
-                </a:lnTo>
-                <a:lnTo>
-                  <a:pt x="10529967" y="276043"/>
-                </a:lnTo>
-                <a:lnTo>
-                  <a:pt x="10807938" y="236809"/>
-                </a:lnTo>
-                <a:lnTo>
-                  <a:pt x="11084689" y="194772"/>
-                </a:lnTo>
-                <a:lnTo>
-                  <a:pt x="11362660" y="153085"/>
-                </a:lnTo>
-                <a:lnTo>
-                  <a:pt x="11639411" y="104392"/>
-                </a:lnTo>
-                <a:lnTo>
-                  <a:pt x="11914944" y="54648"/>
-                </a:lnTo>
-                <a:lnTo>
-                  <a:pt x="12191695" y="2452"/>
-                </a:lnTo>
-                <a:lnTo>
-                  <a:pt x="12191695" y="2162231"/>
-                </a:lnTo>
-                <a:lnTo>
-                  <a:pt x="12192417" y="2162231"/>
-                </a:lnTo>
-                <a:lnTo>
-                  <a:pt x="12192417" y="5095933"/>
-                </a:lnTo>
-                <a:lnTo>
-                  <a:pt x="0" y="5095933"/>
-                </a:lnTo>
-                <a:lnTo>
-                  <a:pt x="0" y="2791958"/>
-                </a:lnTo>
-                <a:lnTo>
-                  <a:pt x="0" y="2162231"/>
-                </a:lnTo>
-                <a:close/>
-              </a:path>
-            </a:pathLst>
-          </a:custGeom>
-          <a:ln>
-            <a:noFill/>
-          </a:ln>
-        </p:spPr>
-      </p:sp>
-      <p:sp>
-        <p:nvSpPr>
-          <p:cNvPr id="2" name="Title 1">
-            <a:extLst>
-              <a:ext uri="{FF2B5EF4-FFF2-40B4-BE49-F238E27FC236}">
                 <a16:creationId xmlns:a16="http://schemas.microsoft.com/office/drawing/2014/main" id="{DBDBCCEC-821D-44C4-BCAB-3AD9CA94D1AD}"/>
               </a:ext>
             </a:extLst>
@@ -17049,25 +16118,39 @@
           <a:p>
             <a:r>
               <a:rPr lang="en-US" dirty="0"/>
-              <a:t>Determine level of need for product</a:t>
+              <a:t>Determine customer specific needs</a:t>
             </a:r>
           </a:p>
           <a:p>
             <a:r>
               <a:rPr lang="en-US" dirty="0"/>
-              <a:t>Explain to them why the product would be useful to their specific case</a:t>
+              <a:t>Explain </a:t>
             </a:r>
-          </a:p>
-          <a:p>
+            <a:r>
+              <a:rPr lang="en-US" dirty="0" err="1"/>
+              <a:t>AlwaysCaring</a:t>
+            </a:r>
             <a:r>
               <a:rPr lang="en-US" dirty="0"/>
-              <a:t>Demonstrate how the product would be used by running through a test case</a:t>
+              <a:t> Software benefits/differences </a:t>
+            </a:r>
+          </a:p>
+          <a:p>
+            <a:r>
+              <a:rPr lang="en-US" dirty="0"/>
+              <a:t>Show how the product would be used by a demonstration</a:t>
             </a:r>
           </a:p>
           <a:p>
             <a:r>
               <a:rPr lang="en-US" dirty="0"/>
               <a:t>Inform them about pricing plans that would best suit them</a:t>
+            </a:r>
+          </a:p>
+          <a:p>
+            <a:r>
+              <a:rPr lang="en-US" dirty="0"/>
+              <a:t>Consult and develop a beta per customer needs with the expanding industry</a:t>
             </a:r>
           </a:p>
         </p:txBody>
